--- a/深度学习相关论文/目标检测综述类文章.pptx
+++ b/深度学习相关论文/目标检测综述类文章.pptx
@@ -300,7 +300,7 @@
           <a:p>
             <a:fld id="{3177BAC3-7852-4E5A-97D0-08AD68A02377}" type="datetimeFigureOut">
               <a:rPr lang="zh-CN" altLang="en-US" smtClean="0"/>
-              <a:t>2024/10/23</a:t>
+              <a:t>2024/10/24</a:t>
             </a:fld>
             <a:endParaRPr lang="zh-CN" altLang="en-US"/>
           </a:p>
@@ -498,7 +498,7 @@
           <a:p>
             <a:fld id="{3177BAC3-7852-4E5A-97D0-08AD68A02377}" type="datetimeFigureOut">
               <a:rPr lang="zh-CN" altLang="en-US" smtClean="0"/>
-              <a:t>2024/10/23</a:t>
+              <a:t>2024/10/24</a:t>
             </a:fld>
             <a:endParaRPr lang="zh-CN" altLang="en-US"/>
           </a:p>
@@ -706,7 +706,7 @@
           <a:p>
             <a:fld id="{3177BAC3-7852-4E5A-97D0-08AD68A02377}" type="datetimeFigureOut">
               <a:rPr lang="zh-CN" altLang="en-US" smtClean="0"/>
-              <a:t>2024/10/23</a:t>
+              <a:t>2024/10/24</a:t>
             </a:fld>
             <a:endParaRPr lang="zh-CN" altLang="en-US"/>
           </a:p>
@@ -904,7 +904,7 @@
           <a:p>
             <a:fld id="{3177BAC3-7852-4E5A-97D0-08AD68A02377}" type="datetimeFigureOut">
               <a:rPr lang="zh-CN" altLang="en-US" smtClean="0"/>
-              <a:t>2024/10/23</a:t>
+              <a:t>2024/10/24</a:t>
             </a:fld>
             <a:endParaRPr lang="zh-CN" altLang="en-US"/>
           </a:p>
@@ -1179,7 +1179,7 @@
           <a:p>
             <a:fld id="{3177BAC3-7852-4E5A-97D0-08AD68A02377}" type="datetimeFigureOut">
               <a:rPr lang="zh-CN" altLang="en-US" smtClean="0"/>
-              <a:t>2024/10/23</a:t>
+              <a:t>2024/10/24</a:t>
             </a:fld>
             <a:endParaRPr lang="zh-CN" altLang="en-US"/>
           </a:p>
@@ -1444,7 +1444,7 @@
           <a:p>
             <a:fld id="{3177BAC3-7852-4E5A-97D0-08AD68A02377}" type="datetimeFigureOut">
               <a:rPr lang="zh-CN" altLang="en-US" smtClean="0"/>
-              <a:t>2024/10/23</a:t>
+              <a:t>2024/10/24</a:t>
             </a:fld>
             <a:endParaRPr lang="zh-CN" altLang="en-US"/>
           </a:p>
@@ -1856,7 +1856,7 @@
           <a:p>
             <a:fld id="{3177BAC3-7852-4E5A-97D0-08AD68A02377}" type="datetimeFigureOut">
               <a:rPr lang="zh-CN" altLang="en-US" smtClean="0"/>
-              <a:t>2024/10/23</a:t>
+              <a:t>2024/10/24</a:t>
             </a:fld>
             <a:endParaRPr lang="zh-CN" altLang="en-US"/>
           </a:p>
@@ -1997,7 +1997,7 @@
           <a:p>
             <a:fld id="{3177BAC3-7852-4E5A-97D0-08AD68A02377}" type="datetimeFigureOut">
               <a:rPr lang="zh-CN" altLang="en-US" smtClean="0"/>
-              <a:t>2024/10/23</a:t>
+              <a:t>2024/10/24</a:t>
             </a:fld>
             <a:endParaRPr lang="zh-CN" altLang="en-US"/>
           </a:p>
@@ -2110,7 +2110,7 @@
           <a:p>
             <a:fld id="{3177BAC3-7852-4E5A-97D0-08AD68A02377}" type="datetimeFigureOut">
               <a:rPr lang="zh-CN" altLang="en-US" smtClean="0"/>
-              <a:t>2024/10/23</a:t>
+              <a:t>2024/10/24</a:t>
             </a:fld>
             <a:endParaRPr lang="zh-CN" altLang="en-US"/>
           </a:p>
@@ -2421,7 +2421,7 @@
           <a:p>
             <a:fld id="{3177BAC3-7852-4E5A-97D0-08AD68A02377}" type="datetimeFigureOut">
               <a:rPr lang="zh-CN" altLang="en-US" smtClean="0"/>
-              <a:t>2024/10/23</a:t>
+              <a:t>2024/10/24</a:t>
             </a:fld>
             <a:endParaRPr lang="zh-CN" altLang="en-US"/>
           </a:p>
@@ -2709,7 +2709,7 @@
           <a:p>
             <a:fld id="{3177BAC3-7852-4E5A-97D0-08AD68A02377}" type="datetimeFigureOut">
               <a:rPr lang="zh-CN" altLang="en-US" smtClean="0"/>
-              <a:t>2024/10/23</a:t>
+              <a:t>2024/10/24</a:t>
             </a:fld>
             <a:endParaRPr lang="zh-CN" altLang="en-US"/>
           </a:p>
@@ -2950,7 +2950,7 @@
           <a:p>
             <a:fld id="{3177BAC3-7852-4E5A-97D0-08AD68A02377}" type="datetimeFigureOut">
               <a:rPr lang="zh-CN" altLang="en-US" smtClean="0"/>
-              <a:t>2024/10/23</a:t>
+              <a:t>2024/10/24</a:t>
             </a:fld>
             <a:endParaRPr lang="zh-CN" altLang="en-US"/>
           </a:p>
@@ -4761,6 +4761,50 @@
           </a:prstGeom>
         </p:spPr>
       </p:pic>
+      <p:sp>
+        <p:nvSpPr>
+          <p:cNvPr id="5" name="文本框 4">
+            <a:extLst>
+              <a:ext uri="{FF2B5EF4-FFF2-40B4-BE49-F238E27FC236}">
+                <a16:creationId xmlns:a16="http://schemas.microsoft.com/office/drawing/2014/main" id="{502BAD03-FF07-41C8-B2FD-A076C354A725}"/>
+              </a:ext>
+            </a:extLst>
+          </p:cNvPr>
+          <p:cNvSpPr txBox="1"/>
+          <p:nvPr/>
+        </p:nvSpPr>
+        <p:spPr>
+          <a:xfrm>
+            <a:off x="9067800" y="0"/>
+            <a:ext cx="6096000" cy="369332"/>
+          </a:xfrm>
+          <a:prstGeom prst="rect">
+            <a:avLst/>
+          </a:prstGeom>
+          <a:noFill/>
+        </p:spPr>
+        <p:txBody>
+          <a:bodyPr wrap="square">
+            <a:spAutoFit/>
+          </a:bodyPr>
+          <a:lstStyle/>
+          <a:p>
+            <a:r>
+              <a:rPr lang="en-US" altLang="zh-CN" dirty="0" err="1">
+                <a:hlinkClick r:id="rId3"/>
+              </a:rPr>
+              <a:t>CVHighlightPapers</a:t>
+            </a:r>
+            <a:r>
+              <a:rPr lang="en-US" altLang="zh-CN" dirty="0">
+                <a:hlinkClick r:id="rId3"/>
+              </a:rPr>
+              <a:t>-Page</a:t>
+            </a:r>
+            <a:endParaRPr lang="zh-CN" altLang="en-US" dirty="0"/>
+          </a:p>
+        </p:txBody>
+      </p:sp>
     </p:spTree>
     <p:extLst>
       <p:ext uri="{BB962C8B-B14F-4D97-AF65-F5344CB8AC3E}">
